--- a/A krumpli és a krumplipucolás.pptx
+++ b/A krumpli és a krumplipucolás.pptx
@@ -6,15 +6,11 @@
   </p:sldMasterIdLst>
   <p:sldIdLst>
     <p:sldId id="256" r:id="rId2"/>
-    <p:sldId id="260" r:id="rId3"/>
-    <p:sldId id="257" r:id="rId4"/>
-    <p:sldId id="258" r:id="rId5"/>
-    <p:sldId id="259" r:id="rId6"/>
+    <p:sldId id="257" r:id="rId3"/>
+    <p:sldId id="258" r:id="rId4"/>
+    <p:sldId id="259" r:id="rId5"/>
+    <p:sldId id="260" r:id="rId6"/>
     <p:sldId id="261" r:id="rId7"/>
-    <p:sldId id="262" r:id="rId8"/>
-    <p:sldId id="263" r:id="rId9"/>
-    <p:sldId id="264" r:id="rId10"/>
-    <p:sldId id="265" r:id="rId11"/>
   </p:sldIdLst>
   <p:sldSz cx="12192000" cy="6858000"/>
   <p:notesSz cx="6858000" cy="9144000"/>
@@ -114,6 +110,20 @@
     </a:lvl9pPr>
   </p:defaultTextStyle>
   <p:extLst>
+    <p:ext uri="{521415D9-36F7-43E2-AB2F-B90AF26B5E84}">
+      <p14:sectionLst xmlns:p14="http://schemas.microsoft.com/office/powerpoint/2010/main">
+        <p14:section name="Alapértelmezett szakasz" id="{69896092-7571-4DDC-B50F-238313552C6D}">
+          <p14:sldIdLst>
+            <p14:sldId id="256"/>
+            <p14:sldId id="257"/>
+            <p14:sldId id="258"/>
+            <p14:sldId id="259"/>
+            <p14:sldId id="260"/>
+            <p14:sldId id="261"/>
+          </p14:sldIdLst>
+        </p14:section>
+      </p14:sectionLst>
+    </p:ext>
     <p:ext uri="{EFAFB233-063F-42B5-8137-9DF3F51BA10A}">
       <p15:sldGuideLst xmlns:p15="http://schemas.microsoft.com/office/powerpoint/2012/main"/>
     </p:ext>
@@ -268,7 +278,7 @@
           <a:p>
             <a:fld id="{7A1900B9-CA20-4E3F-8649-4EA4F6758E8C}" type="datetimeFigureOut">
               <a:rPr lang="hu-HU" smtClean="0"/>
-              <a:t>2023. 05. 25.</a:t>
+              <a:t>2023. 05. 27.</a:t>
             </a:fld>
             <a:endParaRPr lang="hu-HU"/>
           </a:p>
@@ -466,7 +476,7 @@
           <a:p>
             <a:fld id="{7A1900B9-CA20-4E3F-8649-4EA4F6758E8C}" type="datetimeFigureOut">
               <a:rPr lang="hu-HU" smtClean="0"/>
-              <a:t>2023. 05. 25.</a:t>
+              <a:t>2023. 05. 27.</a:t>
             </a:fld>
             <a:endParaRPr lang="hu-HU"/>
           </a:p>
@@ -674,7 +684,7 @@
           <a:p>
             <a:fld id="{7A1900B9-CA20-4E3F-8649-4EA4F6758E8C}" type="datetimeFigureOut">
               <a:rPr lang="hu-HU" smtClean="0"/>
-              <a:t>2023. 05. 25.</a:t>
+              <a:t>2023. 05. 27.</a:t>
             </a:fld>
             <a:endParaRPr lang="hu-HU"/>
           </a:p>
@@ -872,7 +882,7 @@
           <a:p>
             <a:fld id="{7A1900B9-CA20-4E3F-8649-4EA4F6758E8C}" type="datetimeFigureOut">
               <a:rPr lang="hu-HU" smtClean="0"/>
-              <a:t>2023. 05. 25.</a:t>
+              <a:t>2023. 05. 27.</a:t>
             </a:fld>
             <a:endParaRPr lang="hu-HU"/>
           </a:p>
@@ -1147,7 +1157,7 @@
           <a:p>
             <a:fld id="{7A1900B9-CA20-4E3F-8649-4EA4F6758E8C}" type="datetimeFigureOut">
               <a:rPr lang="hu-HU" smtClean="0"/>
-              <a:t>2023. 05. 25.</a:t>
+              <a:t>2023. 05. 27.</a:t>
             </a:fld>
             <a:endParaRPr lang="hu-HU"/>
           </a:p>
@@ -1412,7 +1422,7 @@
           <a:p>
             <a:fld id="{7A1900B9-CA20-4E3F-8649-4EA4F6758E8C}" type="datetimeFigureOut">
               <a:rPr lang="hu-HU" smtClean="0"/>
-              <a:t>2023. 05. 25.</a:t>
+              <a:t>2023. 05. 27.</a:t>
             </a:fld>
             <a:endParaRPr lang="hu-HU"/>
           </a:p>
@@ -1824,7 +1834,7 @@
           <a:p>
             <a:fld id="{7A1900B9-CA20-4E3F-8649-4EA4F6758E8C}" type="datetimeFigureOut">
               <a:rPr lang="hu-HU" smtClean="0"/>
-              <a:t>2023. 05. 25.</a:t>
+              <a:t>2023. 05. 27.</a:t>
             </a:fld>
             <a:endParaRPr lang="hu-HU"/>
           </a:p>
@@ -1965,7 +1975,7 @@
           <a:p>
             <a:fld id="{7A1900B9-CA20-4E3F-8649-4EA4F6758E8C}" type="datetimeFigureOut">
               <a:rPr lang="hu-HU" smtClean="0"/>
-              <a:t>2023. 05. 25.</a:t>
+              <a:t>2023. 05. 27.</a:t>
             </a:fld>
             <a:endParaRPr lang="hu-HU"/>
           </a:p>
@@ -2078,7 +2088,7 @@
           <a:p>
             <a:fld id="{7A1900B9-CA20-4E3F-8649-4EA4F6758E8C}" type="datetimeFigureOut">
               <a:rPr lang="hu-HU" smtClean="0"/>
-              <a:t>2023. 05. 25.</a:t>
+              <a:t>2023. 05. 27.</a:t>
             </a:fld>
             <a:endParaRPr lang="hu-HU"/>
           </a:p>
@@ -2389,7 +2399,7 @@
           <a:p>
             <a:fld id="{7A1900B9-CA20-4E3F-8649-4EA4F6758E8C}" type="datetimeFigureOut">
               <a:rPr lang="hu-HU" smtClean="0"/>
-              <a:t>2023. 05. 25.</a:t>
+              <a:t>2023. 05. 27.</a:t>
             </a:fld>
             <a:endParaRPr lang="hu-HU"/>
           </a:p>
@@ -2677,7 +2687,7 @@
           <a:p>
             <a:fld id="{7A1900B9-CA20-4E3F-8649-4EA4F6758E8C}" type="datetimeFigureOut">
               <a:rPr lang="hu-HU" smtClean="0"/>
-              <a:t>2023. 05. 25.</a:t>
+              <a:t>2023. 05. 27.</a:t>
             </a:fld>
             <a:endParaRPr lang="hu-HU"/>
           </a:p>
@@ -2944,7 +2954,7 @@
           <a:p>
             <a:fld id="{7A1900B9-CA20-4E3F-8649-4EA4F6758E8C}" type="datetimeFigureOut">
               <a:rPr lang="hu-HU" smtClean="0"/>
-              <a:t>2023. 05. 25.</a:t>
+              <a:t>2023. 05. 27.</a:t>
             </a:fld>
             <a:endParaRPr lang="hu-HU"/>
           </a:p>
@@ -3442,36 +3452,6 @@
 </p:sld>
 </file>
 
-<file path=ppt/slides/slide10.xml><?xml version="1.0" encoding="utf-8"?>
-<p:sld xmlns:a="http://schemas.openxmlformats.org/drawingml/2006/main" xmlns:r="http://schemas.openxmlformats.org/officeDocument/2006/relationships" xmlns:p="http://schemas.openxmlformats.org/presentationml/2006/main">
-  <p:cSld>
-    <p:spTree>
-      <p:nvGrpSpPr>
-        <p:cNvPr id="1" name=""/>
-        <p:cNvGrpSpPr/>
-        <p:nvPr/>
-      </p:nvGrpSpPr>
-      <p:grpSpPr>
-        <a:xfrm>
-          <a:off x="0" y="0"/>
-          <a:ext cx="0" cy="0"/>
-          <a:chOff x="0" y="0"/>
-          <a:chExt cx="0" cy="0"/>
-        </a:xfrm>
-      </p:grpSpPr>
-    </p:spTree>
-    <p:extLst>
-      <p:ext uri="{BB962C8B-B14F-4D97-AF65-F5344CB8AC3E}">
-        <p14:creationId xmlns:p14="http://schemas.microsoft.com/office/powerpoint/2010/main" val="1480237968"/>
-      </p:ext>
-    </p:extLst>
-  </p:cSld>
-  <p:clrMapOvr>
-    <a:masterClrMapping/>
-  </p:clrMapOvr>
-</p:sld>
-</file>
-
 <file path=ppt/slides/slide2.xml><?xml version="1.0" encoding="utf-8"?>
 <p:sld xmlns:a="http://schemas.openxmlformats.org/drawingml/2006/main" xmlns:r="http://schemas.openxmlformats.org/officeDocument/2006/relationships" xmlns:p="http://schemas.openxmlformats.org/presentationml/2006/main">
   <p:cSld>
@@ -3489,10 +3469,459 @@
           <a:chExt cx="0" cy="0"/>
         </a:xfrm>
       </p:grpSpPr>
+      <p:sp>
+        <p:nvSpPr>
+          <p:cNvPr id="2" name="Szövegdoboz 1">
+            <a:extLst>
+              <a:ext uri="{FF2B5EF4-FFF2-40B4-BE49-F238E27FC236}">
+                <a16:creationId xmlns:a16="http://schemas.microsoft.com/office/drawing/2014/main" id="{0D45C912-8794-0D15-4A54-E2502E18CCB2}"/>
+              </a:ext>
+            </a:extLst>
+          </p:cNvPr>
+          <p:cNvSpPr txBox="1"/>
+          <p:nvPr/>
+        </p:nvSpPr>
+        <p:spPr>
+          <a:xfrm>
+            <a:off x="3842237" y="163072"/>
+            <a:ext cx="4507524" cy="461665"/>
+          </a:xfrm>
+          <a:prstGeom prst="rect">
+            <a:avLst/>
+          </a:prstGeom>
+          <a:noFill/>
+        </p:spPr>
+        <p:txBody>
+          <a:bodyPr wrap="square" rtlCol="0">
+            <a:spAutoFit/>
+          </a:bodyPr>
+          <a:lstStyle/>
+          <a:p>
+            <a:r>
+              <a:rPr lang="hu-HU" sz="2400" dirty="0"/>
+              <a:t>Hogyan épül fel a mi weboldalunk</a:t>
+            </a:r>
+            <a:endParaRPr lang="de-DE" sz="2400" dirty="0"/>
+          </a:p>
+        </p:txBody>
+      </p:sp>
+      <p:pic>
+        <p:nvPicPr>
+          <p:cNvPr id="4" name="Kép 3">
+            <a:extLst>
+              <a:ext uri="{FF2B5EF4-FFF2-40B4-BE49-F238E27FC236}">
+                <a16:creationId xmlns:a16="http://schemas.microsoft.com/office/drawing/2014/main" id="{B1986DB5-DB48-FB59-7701-612D8295B7EE}"/>
+              </a:ext>
+            </a:extLst>
+          </p:cNvPr>
+          <p:cNvPicPr>
+            <a:picLocks noChangeAspect="1"/>
+          </p:cNvPicPr>
+          <p:nvPr/>
+        </p:nvPicPr>
+        <p:blipFill>
+          <a:blip r:embed="rId2"/>
+          <a:stretch>
+            <a:fillRect/>
+          </a:stretch>
+        </p:blipFill>
+        <p:spPr>
+          <a:xfrm>
+            <a:off x="3934084" y="751458"/>
+            <a:ext cx="4323831" cy="5747204"/>
+          </a:xfrm>
+          <a:prstGeom prst="rect">
+            <a:avLst/>
+          </a:prstGeom>
+        </p:spPr>
+      </p:pic>
+      <p:cxnSp>
+        <p:nvCxnSpPr>
+          <p:cNvPr id="6" name="Egyenes összekötő 5">
+            <a:extLst>
+              <a:ext uri="{FF2B5EF4-FFF2-40B4-BE49-F238E27FC236}">
+                <a16:creationId xmlns:a16="http://schemas.microsoft.com/office/drawing/2014/main" id="{83B626F3-7B3C-62DC-F3FD-14BFE7A26204}"/>
+              </a:ext>
+            </a:extLst>
+          </p:cNvPr>
+          <p:cNvCxnSpPr>
+            <a:cxnSpLocks/>
+          </p:cNvCxnSpPr>
+          <p:nvPr/>
+        </p:nvCxnSpPr>
+        <p:spPr>
+          <a:xfrm flipH="1">
+            <a:off x="2772508" y="2678723"/>
+            <a:ext cx="1224000" cy="0"/>
+          </a:xfrm>
+          <a:prstGeom prst="line">
+            <a:avLst/>
+          </a:prstGeom>
+          <a:ln/>
+        </p:spPr>
+        <p:style>
+          <a:lnRef idx="3">
+            <a:schemeClr val="accent5"/>
+          </a:lnRef>
+          <a:fillRef idx="0">
+            <a:schemeClr val="accent5"/>
+          </a:fillRef>
+          <a:effectRef idx="2">
+            <a:schemeClr val="accent5"/>
+          </a:effectRef>
+          <a:fontRef idx="minor">
+            <a:schemeClr val="tx1"/>
+          </a:fontRef>
+        </p:style>
+      </p:cxnSp>
+      <p:cxnSp>
+        <p:nvCxnSpPr>
+          <p:cNvPr id="8" name="Egyenes összekötő 7">
+            <a:extLst>
+              <a:ext uri="{FF2B5EF4-FFF2-40B4-BE49-F238E27FC236}">
+                <a16:creationId xmlns:a16="http://schemas.microsoft.com/office/drawing/2014/main" id="{0CB9C22E-97DB-F382-4131-CCC70250629E}"/>
+              </a:ext>
+            </a:extLst>
+          </p:cNvPr>
+          <p:cNvCxnSpPr>
+            <a:cxnSpLocks/>
+          </p:cNvCxnSpPr>
+          <p:nvPr/>
+        </p:nvCxnSpPr>
+        <p:spPr>
+          <a:xfrm flipH="1">
+            <a:off x="2772508" y="3059723"/>
+            <a:ext cx="1224000" cy="0"/>
+          </a:xfrm>
+          <a:prstGeom prst="line">
+            <a:avLst/>
+          </a:prstGeom>
+          <a:ln/>
+        </p:spPr>
+        <p:style>
+          <a:lnRef idx="3">
+            <a:schemeClr val="accent5"/>
+          </a:lnRef>
+          <a:fillRef idx="0">
+            <a:schemeClr val="accent5"/>
+          </a:fillRef>
+          <a:effectRef idx="2">
+            <a:schemeClr val="accent5"/>
+          </a:effectRef>
+          <a:fontRef idx="minor">
+            <a:schemeClr val="tx1"/>
+          </a:fontRef>
+        </p:style>
+      </p:cxnSp>
+      <p:cxnSp>
+        <p:nvCxnSpPr>
+          <p:cNvPr id="9" name="Egyenes összekötő 8">
+            <a:extLst>
+              <a:ext uri="{FF2B5EF4-FFF2-40B4-BE49-F238E27FC236}">
+                <a16:creationId xmlns:a16="http://schemas.microsoft.com/office/drawing/2014/main" id="{5BE239C0-37D6-D854-E312-1AB9593DD7CC}"/>
+              </a:ext>
+            </a:extLst>
+          </p:cNvPr>
+          <p:cNvCxnSpPr>
+            <a:cxnSpLocks/>
+          </p:cNvCxnSpPr>
+          <p:nvPr/>
+        </p:nvCxnSpPr>
+        <p:spPr>
+          <a:xfrm flipH="1">
+            <a:off x="2772508" y="4443046"/>
+            <a:ext cx="1224000" cy="0"/>
+          </a:xfrm>
+          <a:prstGeom prst="line">
+            <a:avLst/>
+          </a:prstGeom>
+          <a:ln/>
+        </p:spPr>
+        <p:style>
+          <a:lnRef idx="3">
+            <a:schemeClr val="accent5"/>
+          </a:lnRef>
+          <a:fillRef idx="0">
+            <a:schemeClr val="accent5"/>
+          </a:fillRef>
+          <a:effectRef idx="2">
+            <a:schemeClr val="accent5"/>
+          </a:effectRef>
+          <a:fontRef idx="minor">
+            <a:schemeClr val="tx1"/>
+          </a:fontRef>
+        </p:style>
+      </p:cxnSp>
+      <p:cxnSp>
+        <p:nvCxnSpPr>
+          <p:cNvPr id="10" name="Egyenes összekötő 9">
+            <a:extLst>
+              <a:ext uri="{FF2B5EF4-FFF2-40B4-BE49-F238E27FC236}">
+                <a16:creationId xmlns:a16="http://schemas.microsoft.com/office/drawing/2014/main" id="{467761A6-2FB8-17D8-3294-304A9744D4D9}"/>
+              </a:ext>
+            </a:extLst>
+          </p:cNvPr>
+          <p:cNvCxnSpPr>
+            <a:cxnSpLocks/>
+          </p:cNvCxnSpPr>
+          <p:nvPr/>
+        </p:nvCxnSpPr>
+        <p:spPr>
+          <a:xfrm flipH="1">
+            <a:off x="2772508" y="5539154"/>
+            <a:ext cx="1224000" cy="0"/>
+          </a:xfrm>
+          <a:prstGeom prst="line">
+            <a:avLst/>
+          </a:prstGeom>
+          <a:ln/>
+        </p:spPr>
+        <p:style>
+          <a:lnRef idx="3">
+            <a:schemeClr val="accent5"/>
+          </a:lnRef>
+          <a:fillRef idx="0">
+            <a:schemeClr val="accent5"/>
+          </a:fillRef>
+          <a:effectRef idx="2">
+            <a:schemeClr val="accent5"/>
+          </a:effectRef>
+          <a:fontRef idx="minor">
+            <a:schemeClr val="tx1"/>
+          </a:fontRef>
+        </p:style>
+      </p:cxnSp>
+      <p:cxnSp>
+        <p:nvCxnSpPr>
+          <p:cNvPr id="11" name="Egyenes összekötő 10">
+            <a:extLst>
+              <a:ext uri="{FF2B5EF4-FFF2-40B4-BE49-F238E27FC236}">
+                <a16:creationId xmlns:a16="http://schemas.microsoft.com/office/drawing/2014/main" id="{840AE6DB-570F-39EA-E007-B9040B4A0D08}"/>
+              </a:ext>
+            </a:extLst>
+          </p:cNvPr>
+          <p:cNvCxnSpPr>
+            <a:cxnSpLocks/>
+          </p:cNvCxnSpPr>
+          <p:nvPr/>
+        </p:nvCxnSpPr>
+        <p:spPr>
+          <a:xfrm flipH="1">
+            <a:off x="2772508" y="5890846"/>
+            <a:ext cx="1224000" cy="0"/>
+          </a:xfrm>
+          <a:prstGeom prst="line">
+            <a:avLst/>
+          </a:prstGeom>
+          <a:ln/>
+        </p:spPr>
+        <p:style>
+          <a:lnRef idx="3">
+            <a:schemeClr val="accent5"/>
+          </a:lnRef>
+          <a:fillRef idx="0">
+            <a:schemeClr val="accent5"/>
+          </a:fillRef>
+          <a:effectRef idx="2">
+            <a:schemeClr val="accent5"/>
+          </a:effectRef>
+          <a:fontRef idx="minor">
+            <a:schemeClr val="tx1"/>
+          </a:fontRef>
+        </p:style>
+      </p:cxnSp>
+      <p:cxnSp>
+        <p:nvCxnSpPr>
+          <p:cNvPr id="15" name="Egyenes összekötő 14">
+            <a:extLst>
+              <a:ext uri="{FF2B5EF4-FFF2-40B4-BE49-F238E27FC236}">
+                <a16:creationId xmlns:a16="http://schemas.microsoft.com/office/drawing/2014/main" id="{E455D659-6A44-F57F-BB61-1F8A574928EE}"/>
+              </a:ext>
+            </a:extLst>
+          </p:cNvPr>
+          <p:cNvCxnSpPr>
+            <a:cxnSpLocks/>
+          </p:cNvCxnSpPr>
+          <p:nvPr/>
+        </p:nvCxnSpPr>
+        <p:spPr>
+          <a:xfrm>
+            <a:off x="7913077" y="3429000"/>
+            <a:ext cx="1283677" cy="0"/>
+          </a:xfrm>
+          <a:prstGeom prst="line">
+            <a:avLst/>
+          </a:prstGeom>
+        </p:spPr>
+        <p:style>
+          <a:lnRef idx="3">
+            <a:schemeClr val="accent6"/>
+          </a:lnRef>
+          <a:fillRef idx="0">
+            <a:schemeClr val="accent6"/>
+          </a:fillRef>
+          <a:effectRef idx="2">
+            <a:schemeClr val="accent6"/>
+          </a:effectRef>
+          <a:fontRef idx="minor">
+            <a:schemeClr val="tx1"/>
+          </a:fontRef>
+        </p:style>
+      </p:cxnSp>
+      <p:cxnSp>
+        <p:nvCxnSpPr>
+          <p:cNvPr id="16" name="Egyenes összekötő 15">
+            <a:extLst>
+              <a:ext uri="{FF2B5EF4-FFF2-40B4-BE49-F238E27FC236}">
+                <a16:creationId xmlns:a16="http://schemas.microsoft.com/office/drawing/2014/main" id="{A42DE978-8DB5-F40D-AA9B-001D55ABB2BE}"/>
+              </a:ext>
+            </a:extLst>
+          </p:cNvPr>
+          <p:cNvCxnSpPr>
+            <a:cxnSpLocks/>
+          </p:cNvCxnSpPr>
+          <p:nvPr/>
+        </p:nvCxnSpPr>
+        <p:spPr>
+          <a:xfrm>
+            <a:off x="7913077" y="3763108"/>
+            <a:ext cx="1283677" cy="0"/>
+          </a:xfrm>
+          <a:prstGeom prst="line">
+            <a:avLst/>
+          </a:prstGeom>
+        </p:spPr>
+        <p:style>
+          <a:lnRef idx="3">
+            <a:schemeClr val="accent6"/>
+          </a:lnRef>
+          <a:fillRef idx="0">
+            <a:schemeClr val="accent6"/>
+          </a:fillRef>
+          <a:effectRef idx="2">
+            <a:schemeClr val="accent6"/>
+          </a:effectRef>
+          <a:fontRef idx="minor">
+            <a:schemeClr val="tx1"/>
+          </a:fontRef>
+        </p:style>
+      </p:cxnSp>
+      <p:cxnSp>
+        <p:nvCxnSpPr>
+          <p:cNvPr id="17" name="Egyenes összekötő 16">
+            <a:extLst>
+              <a:ext uri="{FF2B5EF4-FFF2-40B4-BE49-F238E27FC236}">
+                <a16:creationId xmlns:a16="http://schemas.microsoft.com/office/drawing/2014/main" id="{C071BDB3-1BDC-DA98-7CD7-D3D41F2FD6DE}"/>
+              </a:ext>
+            </a:extLst>
+          </p:cNvPr>
+          <p:cNvCxnSpPr>
+            <a:cxnSpLocks/>
+          </p:cNvCxnSpPr>
+          <p:nvPr/>
+        </p:nvCxnSpPr>
+        <p:spPr>
+          <a:xfrm>
+            <a:off x="7913077" y="4120662"/>
+            <a:ext cx="1283677" cy="0"/>
+          </a:xfrm>
+          <a:prstGeom prst="line">
+            <a:avLst/>
+          </a:prstGeom>
+        </p:spPr>
+        <p:style>
+          <a:lnRef idx="3">
+            <a:schemeClr val="accent6"/>
+          </a:lnRef>
+          <a:fillRef idx="0">
+            <a:schemeClr val="accent6"/>
+          </a:fillRef>
+          <a:effectRef idx="2">
+            <a:schemeClr val="accent6"/>
+          </a:effectRef>
+          <a:fontRef idx="minor">
+            <a:schemeClr val="tx1"/>
+          </a:fontRef>
+        </p:style>
+      </p:cxnSp>
+      <p:sp>
+        <p:nvSpPr>
+          <p:cNvPr id="20" name="Szövegdoboz 19">
+            <a:extLst>
+              <a:ext uri="{FF2B5EF4-FFF2-40B4-BE49-F238E27FC236}">
+                <a16:creationId xmlns:a16="http://schemas.microsoft.com/office/drawing/2014/main" id="{FE6652C0-051F-68E1-2769-5862CBF59F13}"/>
+              </a:ext>
+            </a:extLst>
+          </p:cNvPr>
+          <p:cNvSpPr txBox="1"/>
+          <p:nvPr/>
+        </p:nvSpPr>
+        <p:spPr>
+          <a:xfrm>
+            <a:off x="9419491" y="3578442"/>
+            <a:ext cx="2502877" cy="369332"/>
+          </a:xfrm>
+          <a:prstGeom prst="rect">
+            <a:avLst/>
+          </a:prstGeom>
+          <a:noFill/>
+        </p:spPr>
+        <p:txBody>
+          <a:bodyPr wrap="square" rtlCol="0">
+            <a:spAutoFit/>
+          </a:bodyPr>
+          <a:lstStyle/>
+          <a:p>
+            <a:r>
+              <a:rPr lang="hu-HU" dirty="0"/>
+              <a:t>Teljes képernyős képek</a:t>
+            </a:r>
+            <a:endParaRPr lang="de-DE" dirty="0"/>
+          </a:p>
+        </p:txBody>
+      </p:sp>
+      <p:sp>
+        <p:nvSpPr>
+          <p:cNvPr id="21" name="Szövegdoboz 20">
+            <a:extLst>
+              <a:ext uri="{FF2B5EF4-FFF2-40B4-BE49-F238E27FC236}">
+                <a16:creationId xmlns:a16="http://schemas.microsoft.com/office/drawing/2014/main" id="{6D575598-939D-1168-914B-F42C3B04C08D}"/>
+              </a:ext>
+            </a:extLst>
+          </p:cNvPr>
+          <p:cNvSpPr txBox="1"/>
+          <p:nvPr/>
+        </p:nvSpPr>
+        <p:spPr>
+          <a:xfrm>
+            <a:off x="1084385" y="3393776"/>
+            <a:ext cx="1224000" cy="369332"/>
+          </a:xfrm>
+          <a:prstGeom prst="rect">
+            <a:avLst/>
+          </a:prstGeom>
+          <a:noFill/>
+        </p:spPr>
+        <p:txBody>
+          <a:bodyPr wrap="square" rtlCol="0">
+            <a:spAutoFit/>
+          </a:bodyPr>
+          <a:lstStyle/>
+          <a:p>
+            <a:r>
+              <a:rPr lang="hu-HU" dirty="0">
+                <a:latin typeface="Google Sans"/>
+              </a:rPr>
+              <a:t>Weblapok</a:t>
+            </a:r>
+            <a:endParaRPr lang="de-DE" dirty="0"/>
+          </a:p>
+        </p:txBody>
+      </p:sp>
     </p:spTree>
     <p:extLst>
       <p:ext uri="{BB962C8B-B14F-4D97-AF65-F5344CB8AC3E}">
-        <p14:creationId xmlns:p14="http://schemas.microsoft.com/office/powerpoint/2010/main" val="1922306624"/>
+        <p14:creationId xmlns:p14="http://schemas.microsoft.com/office/powerpoint/2010/main" val="3230862965"/>
       </p:ext>
     </p:extLst>
   </p:cSld>
@@ -3519,10 +3948,432 @@
           <a:chExt cx="0" cy="0"/>
         </a:xfrm>
       </p:grpSpPr>
+      <p:sp>
+        <p:nvSpPr>
+          <p:cNvPr id="2" name="Szövegdoboz 1">
+            <a:extLst>
+              <a:ext uri="{FF2B5EF4-FFF2-40B4-BE49-F238E27FC236}">
+                <a16:creationId xmlns:a16="http://schemas.microsoft.com/office/drawing/2014/main" id="{6E5EC71F-5FB5-2AC3-0B9A-82E6FB21DD01}"/>
+              </a:ext>
+            </a:extLst>
+          </p:cNvPr>
+          <p:cNvSpPr txBox="1"/>
+          <p:nvPr/>
+        </p:nvSpPr>
+        <p:spPr>
+          <a:xfrm>
+            <a:off x="4953000" y="219000"/>
+            <a:ext cx="2286000" cy="461665"/>
+          </a:xfrm>
+          <a:prstGeom prst="rect">
+            <a:avLst/>
+          </a:prstGeom>
+          <a:noFill/>
+        </p:spPr>
+        <p:txBody>
+          <a:bodyPr wrap="square" rtlCol="0">
+            <a:spAutoFit/>
+          </a:bodyPr>
+          <a:lstStyle/>
+          <a:p>
+            <a:r>
+              <a:rPr lang="hu-HU" sz="2400" dirty="0"/>
+              <a:t>Navigációs panel</a:t>
+            </a:r>
+            <a:endParaRPr lang="de-DE" sz="2400" dirty="0"/>
+          </a:p>
+        </p:txBody>
+      </p:sp>
+      <p:sp>
+        <p:nvSpPr>
+          <p:cNvPr id="3" name="Szövegdoboz 2">
+            <a:extLst>
+              <a:ext uri="{FF2B5EF4-FFF2-40B4-BE49-F238E27FC236}">
+                <a16:creationId xmlns:a16="http://schemas.microsoft.com/office/drawing/2014/main" id="{8D1AE246-2633-543A-2870-4DA027A7866A}"/>
+              </a:ext>
+            </a:extLst>
+          </p:cNvPr>
+          <p:cNvSpPr txBox="1"/>
+          <p:nvPr/>
+        </p:nvSpPr>
+        <p:spPr>
+          <a:xfrm>
+            <a:off x="2303585" y="726831"/>
+            <a:ext cx="550984" cy="369332"/>
+          </a:xfrm>
+          <a:prstGeom prst="rect">
+            <a:avLst/>
+          </a:prstGeom>
+          <a:noFill/>
+        </p:spPr>
+        <p:txBody>
+          <a:bodyPr wrap="square" rtlCol="0">
+            <a:spAutoFit/>
+          </a:bodyPr>
+          <a:lstStyle/>
+          <a:p>
+            <a:r>
+              <a:rPr lang="hu-HU" dirty="0"/>
+              <a:t>Kód</a:t>
+            </a:r>
+            <a:endParaRPr lang="de-DE" dirty="0"/>
+          </a:p>
+        </p:txBody>
+      </p:sp>
+      <p:pic>
+        <p:nvPicPr>
+          <p:cNvPr id="7" name="Kép 6">
+            <a:extLst>
+              <a:ext uri="{FF2B5EF4-FFF2-40B4-BE49-F238E27FC236}">
+                <a16:creationId xmlns:a16="http://schemas.microsoft.com/office/drawing/2014/main" id="{A65C5A52-BA40-F0D0-DEFA-3173459BC59F}"/>
+              </a:ext>
+            </a:extLst>
+          </p:cNvPr>
+          <p:cNvPicPr>
+            <a:picLocks noChangeAspect="1"/>
+          </p:cNvPicPr>
+          <p:nvPr/>
+        </p:nvPicPr>
+        <p:blipFill>
+          <a:blip r:embed="rId2"/>
+          <a:stretch>
+            <a:fillRect/>
+          </a:stretch>
+        </p:blipFill>
+        <p:spPr>
+          <a:xfrm>
+            <a:off x="70339" y="1096163"/>
+            <a:ext cx="7209692" cy="3436416"/>
+          </a:xfrm>
+          <a:prstGeom prst="rect">
+            <a:avLst/>
+          </a:prstGeom>
+        </p:spPr>
+      </p:pic>
+      <p:sp>
+        <p:nvSpPr>
+          <p:cNvPr id="9" name="Szövegdoboz 8">
+            <a:extLst>
+              <a:ext uri="{FF2B5EF4-FFF2-40B4-BE49-F238E27FC236}">
+                <a16:creationId xmlns:a16="http://schemas.microsoft.com/office/drawing/2014/main" id="{8D745ED0-B3CA-3A84-295E-67BB2934194F}"/>
+              </a:ext>
+            </a:extLst>
+          </p:cNvPr>
+          <p:cNvSpPr txBox="1"/>
+          <p:nvPr/>
+        </p:nvSpPr>
+        <p:spPr>
+          <a:xfrm>
+            <a:off x="9138138" y="2814371"/>
+            <a:ext cx="1242647" cy="369332"/>
+          </a:xfrm>
+          <a:prstGeom prst="rect">
+            <a:avLst/>
+          </a:prstGeom>
+          <a:noFill/>
+        </p:spPr>
+        <p:txBody>
+          <a:bodyPr wrap="square" rtlCol="0">
+            <a:spAutoFit/>
+          </a:bodyPr>
+          <a:lstStyle/>
+          <a:p>
+            <a:r>
+              <a:rPr lang="hu-HU" dirty="0"/>
+              <a:t>Hogy néz ki</a:t>
+            </a:r>
+            <a:endParaRPr lang="de-DE" dirty="0"/>
+          </a:p>
+        </p:txBody>
+      </p:sp>
+      <p:pic>
+        <p:nvPicPr>
+          <p:cNvPr id="11" name="Kép 10">
+            <a:extLst>
+              <a:ext uri="{FF2B5EF4-FFF2-40B4-BE49-F238E27FC236}">
+                <a16:creationId xmlns:a16="http://schemas.microsoft.com/office/drawing/2014/main" id="{A153FCB2-C2A0-A38B-7CBD-24F7817B5F99}"/>
+              </a:ext>
+            </a:extLst>
+          </p:cNvPr>
+          <p:cNvPicPr>
+            <a:picLocks noChangeAspect="1"/>
+          </p:cNvPicPr>
+          <p:nvPr/>
+        </p:nvPicPr>
+        <p:blipFill>
+          <a:blip r:embed="rId3"/>
+          <a:stretch>
+            <a:fillRect/>
+          </a:stretch>
+        </p:blipFill>
+        <p:spPr>
+          <a:xfrm>
+            <a:off x="1236784" y="6238231"/>
+            <a:ext cx="10152185" cy="400769"/>
+          </a:xfrm>
+          <a:prstGeom prst="rect">
+            <a:avLst/>
+          </a:prstGeom>
+        </p:spPr>
+      </p:pic>
+      <p:pic>
+        <p:nvPicPr>
+          <p:cNvPr id="13" name="Kép 12">
+            <a:extLst>
+              <a:ext uri="{FF2B5EF4-FFF2-40B4-BE49-F238E27FC236}">
+                <a16:creationId xmlns:a16="http://schemas.microsoft.com/office/drawing/2014/main" id="{35705261-761E-BB2C-1797-7EECAA45356C}"/>
+              </a:ext>
+            </a:extLst>
+          </p:cNvPr>
+          <p:cNvPicPr>
+            <a:picLocks noChangeAspect="1"/>
+          </p:cNvPicPr>
+          <p:nvPr/>
+        </p:nvPicPr>
+        <p:blipFill>
+          <a:blip r:embed="rId4"/>
+          <a:stretch>
+            <a:fillRect/>
+          </a:stretch>
+        </p:blipFill>
+        <p:spPr>
+          <a:xfrm>
+            <a:off x="5681862" y="3467826"/>
+            <a:ext cx="6439799" cy="647790"/>
+          </a:xfrm>
+          <a:prstGeom prst="rect">
+            <a:avLst/>
+          </a:prstGeom>
+        </p:spPr>
+      </p:pic>
+      <p:pic>
+        <p:nvPicPr>
+          <p:cNvPr id="15" name="Kép 14">
+            <a:extLst>
+              <a:ext uri="{FF2B5EF4-FFF2-40B4-BE49-F238E27FC236}">
+                <a16:creationId xmlns:a16="http://schemas.microsoft.com/office/drawing/2014/main" id="{7BC5EFE3-1E32-89D8-113B-C971CD7988E2}"/>
+              </a:ext>
+            </a:extLst>
+          </p:cNvPr>
+          <p:cNvPicPr>
+            <a:picLocks noChangeAspect="1"/>
+          </p:cNvPicPr>
+          <p:nvPr/>
+        </p:nvPicPr>
+        <p:blipFill>
+          <a:blip r:embed="rId5"/>
+          <a:stretch>
+            <a:fillRect/>
+          </a:stretch>
+        </p:blipFill>
+        <p:spPr>
+          <a:xfrm>
+            <a:off x="6764385" y="4288123"/>
+            <a:ext cx="3985677" cy="1301206"/>
+          </a:xfrm>
+          <a:prstGeom prst="rect">
+            <a:avLst/>
+          </a:prstGeom>
+        </p:spPr>
+      </p:pic>
+      <p:sp>
+        <p:nvSpPr>
+          <p:cNvPr id="16" name="Szövegdoboz 15">
+            <a:extLst>
+              <a:ext uri="{FF2B5EF4-FFF2-40B4-BE49-F238E27FC236}">
+                <a16:creationId xmlns:a16="http://schemas.microsoft.com/office/drawing/2014/main" id="{412A11F0-DC92-19D9-E97E-28FC71940DC7}"/>
+              </a:ext>
+            </a:extLst>
+          </p:cNvPr>
+          <p:cNvSpPr txBox="1"/>
+          <p:nvPr/>
+        </p:nvSpPr>
+        <p:spPr>
+          <a:xfrm>
+            <a:off x="70339" y="5452068"/>
+            <a:ext cx="1664677" cy="369332"/>
+          </a:xfrm>
+          <a:prstGeom prst="rect">
+            <a:avLst/>
+          </a:prstGeom>
+          <a:noFill/>
+        </p:spPr>
+        <p:txBody>
+          <a:bodyPr wrap="square" rtlCol="0">
+            <a:spAutoFit/>
+          </a:bodyPr>
+          <a:lstStyle/>
+          <a:p>
+            <a:r>
+              <a:rPr lang="hu-HU" dirty="0"/>
+              <a:t>Teljes képernyő</a:t>
+            </a:r>
+            <a:endParaRPr lang="de-DE" dirty="0"/>
+          </a:p>
+        </p:txBody>
+      </p:sp>
+      <p:cxnSp>
+        <p:nvCxnSpPr>
+          <p:cNvPr id="18" name="Egyenes összekötő nyíllal 17">
+            <a:extLst>
+              <a:ext uri="{FF2B5EF4-FFF2-40B4-BE49-F238E27FC236}">
+                <a16:creationId xmlns:a16="http://schemas.microsoft.com/office/drawing/2014/main" id="{C9014053-A67F-BA9E-83AB-DC89D27D1AD5}"/>
+              </a:ext>
+            </a:extLst>
+          </p:cNvPr>
+          <p:cNvCxnSpPr>
+            <a:cxnSpLocks/>
+          </p:cNvCxnSpPr>
+          <p:nvPr/>
+        </p:nvCxnSpPr>
+        <p:spPr>
+          <a:xfrm>
+            <a:off x="715108" y="5902569"/>
+            <a:ext cx="439615" cy="335662"/>
+          </a:xfrm>
+          <a:prstGeom prst="straightConnector1">
+            <a:avLst/>
+          </a:prstGeom>
+          <a:ln>
+            <a:headEnd type="none" w="med" len="med"/>
+            <a:tailEnd type="arrow" w="med" len="med"/>
+          </a:ln>
+        </p:spPr>
+        <p:style>
+          <a:lnRef idx="3">
+            <a:schemeClr val="accent5"/>
+          </a:lnRef>
+          <a:fillRef idx="0">
+            <a:schemeClr val="accent5"/>
+          </a:fillRef>
+          <a:effectRef idx="2">
+            <a:schemeClr val="accent5"/>
+          </a:effectRef>
+          <a:fontRef idx="minor">
+            <a:schemeClr val="tx1"/>
+          </a:fontRef>
+        </p:style>
+      </p:cxnSp>
+      <p:sp>
+        <p:nvSpPr>
+          <p:cNvPr id="22" name="Szövegdoboz 21">
+            <a:extLst>
+              <a:ext uri="{FF2B5EF4-FFF2-40B4-BE49-F238E27FC236}">
+                <a16:creationId xmlns:a16="http://schemas.microsoft.com/office/drawing/2014/main" id="{7AF02F62-195E-B1B2-6671-B7AB0917FADA}"/>
+              </a:ext>
+            </a:extLst>
+          </p:cNvPr>
+          <p:cNvSpPr txBox="1"/>
+          <p:nvPr/>
+        </p:nvSpPr>
+        <p:spPr>
+          <a:xfrm>
+            <a:off x="3788668" y="4996815"/>
+            <a:ext cx="1893194" cy="369332"/>
+          </a:xfrm>
+          <a:prstGeom prst="rect">
+            <a:avLst/>
+          </a:prstGeom>
+          <a:noFill/>
+        </p:spPr>
+        <p:txBody>
+          <a:bodyPr wrap="square" rtlCol="0">
+            <a:spAutoFit/>
+          </a:bodyPr>
+          <a:lstStyle/>
+          <a:p>
+            <a:r>
+              <a:rPr lang="hu-HU" dirty="0"/>
+              <a:t>Kisebb képernyős</a:t>
+            </a:r>
+            <a:endParaRPr lang="de-DE" dirty="0"/>
+          </a:p>
+        </p:txBody>
+      </p:sp>
+      <p:cxnSp>
+        <p:nvCxnSpPr>
+          <p:cNvPr id="24" name="Egyenes összekötő nyíllal 23">
+            <a:extLst>
+              <a:ext uri="{FF2B5EF4-FFF2-40B4-BE49-F238E27FC236}">
+                <a16:creationId xmlns:a16="http://schemas.microsoft.com/office/drawing/2014/main" id="{BEC37E67-4432-E0F5-4187-733AA531E670}"/>
+              </a:ext>
+            </a:extLst>
+          </p:cNvPr>
+          <p:cNvCxnSpPr/>
+          <p:nvPr/>
+        </p:nvCxnSpPr>
+        <p:spPr>
+          <a:xfrm flipV="1">
+            <a:off x="5209504" y="4288123"/>
+            <a:ext cx="579550" cy="419105"/>
+          </a:xfrm>
+          <a:prstGeom prst="straightConnector1">
+            <a:avLst/>
+          </a:prstGeom>
+          <a:ln>
+            <a:tailEnd type="triangle"/>
+          </a:ln>
+        </p:spPr>
+        <p:style>
+          <a:lnRef idx="3">
+            <a:schemeClr val="accent6"/>
+          </a:lnRef>
+          <a:fillRef idx="0">
+            <a:schemeClr val="accent6"/>
+          </a:fillRef>
+          <a:effectRef idx="2">
+            <a:schemeClr val="accent6"/>
+          </a:effectRef>
+          <a:fontRef idx="minor">
+            <a:schemeClr val="tx1"/>
+          </a:fontRef>
+        </p:style>
+      </p:cxnSp>
+      <p:cxnSp>
+        <p:nvCxnSpPr>
+          <p:cNvPr id="25" name="Egyenes összekötő nyíllal 24">
+            <a:extLst>
+              <a:ext uri="{FF2B5EF4-FFF2-40B4-BE49-F238E27FC236}">
+                <a16:creationId xmlns:a16="http://schemas.microsoft.com/office/drawing/2014/main" id="{EAF2D9E8-6FBE-7FBF-B22D-CF8CE8D191D4}"/>
+              </a:ext>
+            </a:extLst>
+          </p:cNvPr>
+          <p:cNvCxnSpPr>
+            <a:cxnSpLocks/>
+          </p:cNvCxnSpPr>
+          <p:nvPr/>
+        </p:nvCxnSpPr>
+        <p:spPr>
+          <a:xfrm flipV="1">
+            <a:off x="5582992" y="4705086"/>
+            <a:ext cx="819956" cy="282614"/>
+          </a:xfrm>
+          <a:prstGeom prst="straightConnector1">
+            <a:avLst/>
+          </a:prstGeom>
+          <a:ln>
+            <a:tailEnd type="triangle"/>
+          </a:ln>
+        </p:spPr>
+        <p:style>
+          <a:lnRef idx="3">
+            <a:schemeClr val="accent6"/>
+          </a:lnRef>
+          <a:fillRef idx="0">
+            <a:schemeClr val="accent6"/>
+          </a:fillRef>
+          <a:effectRef idx="2">
+            <a:schemeClr val="accent6"/>
+          </a:effectRef>
+          <a:fontRef idx="minor">
+            <a:schemeClr val="tx1"/>
+          </a:fontRef>
+        </p:style>
+      </p:cxnSp>
     </p:spTree>
     <p:extLst>
       <p:ext uri="{BB962C8B-B14F-4D97-AF65-F5344CB8AC3E}">
-        <p14:creationId xmlns:p14="http://schemas.microsoft.com/office/powerpoint/2010/main" val="692472647"/>
+        <p14:creationId xmlns:p14="http://schemas.microsoft.com/office/powerpoint/2010/main" val="3512934708"/>
       </p:ext>
     </p:extLst>
   </p:cSld>
@@ -3549,10 +4400,112 @@
           <a:chExt cx="0" cy="0"/>
         </a:xfrm>
       </p:grpSpPr>
+      <p:sp>
+        <p:nvSpPr>
+          <p:cNvPr id="2" name="Szövegdoboz 1">
+            <a:extLst>
+              <a:ext uri="{FF2B5EF4-FFF2-40B4-BE49-F238E27FC236}">
+                <a16:creationId xmlns:a16="http://schemas.microsoft.com/office/drawing/2014/main" id="{4CC29B68-62CB-51E9-59BB-53D6938E55C2}"/>
+              </a:ext>
+            </a:extLst>
+          </p:cNvPr>
+          <p:cNvSpPr txBox="1"/>
+          <p:nvPr/>
+        </p:nvSpPr>
+        <p:spPr>
+          <a:xfrm>
+            <a:off x="4503127" y="246185"/>
+            <a:ext cx="3185746" cy="461665"/>
+          </a:xfrm>
+          <a:prstGeom prst="rect">
+            <a:avLst/>
+          </a:prstGeom>
+          <a:noFill/>
+        </p:spPr>
+        <p:txBody>
+          <a:bodyPr wrap="square" rtlCol="0">
+            <a:spAutoFit/>
+          </a:bodyPr>
+          <a:lstStyle/>
+          <a:p>
+            <a:r>
+              <a:rPr lang="hu-HU" sz="2400" dirty="0"/>
+              <a:t>Hulló krumplik animáció</a:t>
+            </a:r>
+            <a:endParaRPr lang="de-DE" sz="2400" dirty="0"/>
+          </a:p>
+        </p:txBody>
+      </p:sp>
+      <p:sp>
+        <p:nvSpPr>
+          <p:cNvPr id="3" name="Szövegdoboz 2">
+            <a:extLst>
+              <a:ext uri="{FF2B5EF4-FFF2-40B4-BE49-F238E27FC236}">
+                <a16:creationId xmlns:a16="http://schemas.microsoft.com/office/drawing/2014/main" id="{6A8102D0-3D85-1931-DDA8-7426105E9752}"/>
+              </a:ext>
+            </a:extLst>
+          </p:cNvPr>
+          <p:cNvSpPr txBox="1"/>
+          <p:nvPr/>
+        </p:nvSpPr>
+        <p:spPr>
+          <a:xfrm>
+            <a:off x="5703277" y="820615"/>
+            <a:ext cx="785445" cy="369332"/>
+          </a:xfrm>
+          <a:prstGeom prst="rect">
+            <a:avLst/>
+          </a:prstGeom>
+          <a:noFill/>
+        </p:spPr>
+        <p:txBody>
+          <a:bodyPr wrap="square" rtlCol="0">
+            <a:spAutoFit/>
+          </a:bodyPr>
+          <a:lstStyle/>
+          <a:p>
+            <a:r>
+              <a:rPr lang="hu-HU" dirty="0"/>
+              <a:t>HTML</a:t>
+            </a:r>
+            <a:endParaRPr lang="de-DE" dirty="0"/>
+          </a:p>
+        </p:txBody>
+      </p:sp>
+      <p:pic>
+        <p:nvPicPr>
+          <p:cNvPr id="7" name="Kép 6">
+            <a:extLst>
+              <a:ext uri="{FF2B5EF4-FFF2-40B4-BE49-F238E27FC236}">
+                <a16:creationId xmlns:a16="http://schemas.microsoft.com/office/drawing/2014/main" id="{0D5FCFAD-76E4-68A6-E0F4-760199797DD9}"/>
+              </a:ext>
+            </a:extLst>
+          </p:cNvPr>
+          <p:cNvPicPr>
+            <a:picLocks noChangeAspect="1"/>
+          </p:cNvPicPr>
+          <p:nvPr/>
+        </p:nvPicPr>
+        <p:blipFill>
+          <a:blip r:embed="rId2"/>
+          <a:stretch>
+            <a:fillRect/>
+          </a:stretch>
+        </p:blipFill>
+        <p:spPr>
+          <a:xfrm>
+            <a:off x="955430" y="1433846"/>
+            <a:ext cx="10597443" cy="2669231"/>
+          </a:xfrm>
+          <a:prstGeom prst="rect">
+            <a:avLst/>
+          </a:prstGeom>
+        </p:spPr>
+      </p:pic>
     </p:spTree>
     <p:extLst>
       <p:ext uri="{BB962C8B-B14F-4D97-AF65-F5344CB8AC3E}">
-        <p14:creationId xmlns:p14="http://schemas.microsoft.com/office/powerpoint/2010/main" val="34431718"/>
+        <p14:creationId xmlns:p14="http://schemas.microsoft.com/office/powerpoint/2010/main" val="3148287058"/>
       </p:ext>
     </p:extLst>
   </p:cSld>
@@ -3579,10 +4532,172 @@
           <a:chExt cx="0" cy="0"/>
         </a:xfrm>
       </p:grpSpPr>
+      <p:sp>
+        <p:nvSpPr>
+          <p:cNvPr id="2" name="Szövegdoboz 1">
+            <a:extLst>
+              <a:ext uri="{FF2B5EF4-FFF2-40B4-BE49-F238E27FC236}">
+                <a16:creationId xmlns:a16="http://schemas.microsoft.com/office/drawing/2014/main" id="{9E1B185E-BC2E-7734-2E14-327BCCA10AAB}"/>
+              </a:ext>
+            </a:extLst>
+          </p:cNvPr>
+          <p:cNvSpPr txBox="1"/>
+          <p:nvPr/>
+        </p:nvSpPr>
+        <p:spPr>
+          <a:xfrm>
+            <a:off x="4503127" y="140677"/>
+            <a:ext cx="3185746" cy="461665"/>
+          </a:xfrm>
+          <a:prstGeom prst="rect">
+            <a:avLst/>
+          </a:prstGeom>
+          <a:noFill/>
+        </p:spPr>
+        <p:txBody>
+          <a:bodyPr wrap="square" rtlCol="0">
+            <a:spAutoFit/>
+          </a:bodyPr>
+          <a:lstStyle/>
+          <a:p>
+            <a:r>
+              <a:rPr lang="hu-HU" sz="2400" dirty="0"/>
+              <a:t>Hulló krumplik animáció</a:t>
+            </a:r>
+            <a:endParaRPr lang="de-DE" sz="2400" dirty="0"/>
+          </a:p>
+        </p:txBody>
+      </p:sp>
+      <p:sp>
+        <p:nvSpPr>
+          <p:cNvPr id="3" name="Szövegdoboz 2">
+            <a:extLst>
+              <a:ext uri="{FF2B5EF4-FFF2-40B4-BE49-F238E27FC236}">
+                <a16:creationId xmlns:a16="http://schemas.microsoft.com/office/drawing/2014/main" id="{28B6CDD3-2AE3-83EB-1C60-BFAC3E486CC9}"/>
+              </a:ext>
+            </a:extLst>
+          </p:cNvPr>
+          <p:cNvSpPr txBox="1"/>
+          <p:nvPr/>
+        </p:nvSpPr>
+        <p:spPr>
+          <a:xfrm>
+            <a:off x="5829300" y="767862"/>
+            <a:ext cx="533400" cy="369332"/>
+          </a:xfrm>
+          <a:prstGeom prst="rect">
+            <a:avLst/>
+          </a:prstGeom>
+          <a:noFill/>
+        </p:spPr>
+        <p:txBody>
+          <a:bodyPr wrap="square" rtlCol="0">
+            <a:spAutoFit/>
+          </a:bodyPr>
+          <a:lstStyle/>
+          <a:p>
+            <a:r>
+              <a:rPr lang="hu-HU" dirty="0"/>
+              <a:t>CSS</a:t>
+            </a:r>
+            <a:endParaRPr lang="de-DE" dirty="0"/>
+          </a:p>
+        </p:txBody>
+      </p:sp>
+      <p:pic>
+        <p:nvPicPr>
+          <p:cNvPr id="6" name="Kép 5">
+            <a:extLst>
+              <a:ext uri="{FF2B5EF4-FFF2-40B4-BE49-F238E27FC236}">
+                <a16:creationId xmlns:a16="http://schemas.microsoft.com/office/drawing/2014/main" id="{800345AA-9EF6-CDA7-66A5-1CF1739C90B4}"/>
+              </a:ext>
+            </a:extLst>
+          </p:cNvPr>
+          <p:cNvPicPr>
+            <a:picLocks noChangeAspect="1"/>
+          </p:cNvPicPr>
+          <p:nvPr/>
+        </p:nvPicPr>
+        <p:blipFill>
+          <a:blip r:embed="rId2"/>
+          <a:stretch>
+            <a:fillRect/>
+          </a:stretch>
+        </p:blipFill>
+        <p:spPr>
+          <a:xfrm>
+            <a:off x="191910" y="767862"/>
+            <a:ext cx="2600862" cy="5801526"/>
+          </a:xfrm>
+          <a:prstGeom prst="rect">
+            <a:avLst/>
+          </a:prstGeom>
+        </p:spPr>
+      </p:pic>
+      <p:pic>
+        <p:nvPicPr>
+          <p:cNvPr id="8" name="Kép 7">
+            <a:extLst>
+              <a:ext uri="{FF2B5EF4-FFF2-40B4-BE49-F238E27FC236}">
+                <a16:creationId xmlns:a16="http://schemas.microsoft.com/office/drawing/2014/main" id="{43DA6138-2A62-3F17-01E4-4D61D80BED46}"/>
+              </a:ext>
+            </a:extLst>
+          </p:cNvPr>
+          <p:cNvPicPr>
+            <a:picLocks noChangeAspect="1"/>
+          </p:cNvPicPr>
+          <p:nvPr/>
+        </p:nvPicPr>
+        <p:blipFill>
+          <a:blip r:embed="rId3"/>
+          <a:stretch>
+            <a:fillRect/>
+          </a:stretch>
+        </p:blipFill>
+        <p:spPr>
+          <a:xfrm>
+            <a:off x="3225587" y="1582982"/>
+            <a:ext cx="5740826" cy="3827217"/>
+          </a:xfrm>
+          <a:prstGeom prst="rect">
+            <a:avLst/>
+          </a:prstGeom>
+        </p:spPr>
+      </p:pic>
+      <p:pic>
+        <p:nvPicPr>
+          <p:cNvPr id="10" name="Kép 9">
+            <a:extLst>
+              <a:ext uri="{FF2B5EF4-FFF2-40B4-BE49-F238E27FC236}">
+                <a16:creationId xmlns:a16="http://schemas.microsoft.com/office/drawing/2014/main" id="{D009D11E-FF4A-7017-FD3B-DB522269A117}"/>
+              </a:ext>
+            </a:extLst>
+          </p:cNvPr>
+          <p:cNvPicPr>
+            <a:picLocks noChangeAspect="1"/>
+          </p:cNvPicPr>
+          <p:nvPr/>
+        </p:nvPicPr>
+        <p:blipFill>
+          <a:blip r:embed="rId4"/>
+          <a:stretch>
+            <a:fillRect/>
+          </a:stretch>
+        </p:blipFill>
+        <p:spPr>
+          <a:xfrm>
+            <a:off x="9595386" y="140677"/>
+            <a:ext cx="1874417" cy="6605954"/>
+          </a:xfrm>
+          <a:prstGeom prst="rect">
+            <a:avLst/>
+          </a:prstGeom>
+        </p:spPr>
+      </p:pic>
     </p:spTree>
     <p:extLst>
       <p:ext uri="{BB962C8B-B14F-4D97-AF65-F5344CB8AC3E}">
-        <p14:creationId xmlns:p14="http://schemas.microsoft.com/office/powerpoint/2010/main" val="3662774971"/>
+        <p14:creationId xmlns:p14="http://schemas.microsoft.com/office/powerpoint/2010/main" val="423602503"/>
       </p:ext>
     </p:extLst>
   </p:cSld>
@@ -3609,100 +4724,178 @@
           <a:chExt cx="0" cy="0"/>
         </a:xfrm>
       </p:grpSpPr>
+      <p:sp>
+        <p:nvSpPr>
+          <p:cNvPr id="2" name="Szövegdoboz 1">
+            <a:extLst>
+              <a:ext uri="{FF2B5EF4-FFF2-40B4-BE49-F238E27FC236}">
+                <a16:creationId xmlns:a16="http://schemas.microsoft.com/office/drawing/2014/main" id="{125914D5-97B9-9B7A-50E0-DCA3AAF7D45C}"/>
+              </a:ext>
+            </a:extLst>
+          </p:cNvPr>
+          <p:cNvSpPr txBox="1"/>
+          <p:nvPr/>
+        </p:nvSpPr>
+        <p:spPr>
+          <a:xfrm>
+            <a:off x="345830" y="275492"/>
+            <a:ext cx="1400907" cy="400110"/>
+          </a:xfrm>
+          <a:prstGeom prst="rect">
+            <a:avLst/>
+          </a:prstGeom>
+          <a:noFill/>
+        </p:spPr>
+        <p:txBody>
+          <a:bodyPr wrap="square" rtlCol="0">
+            <a:spAutoFit/>
+          </a:bodyPr>
+          <a:lstStyle/>
+          <a:p>
+            <a:r>
+              <a:rPr lang="hu-HU" sz="2000" dirty="0"/>
+              <a:t>video.html</a:t>
+            </a:r>
+            <a:endParaRPr lang="de-DE" sz="2000" dirty="0"/>
+          </a:p>
+        </p:txBody>
+      </p:sp>
+      <p:sp>
+        <p:nvSpPr>
+          <p:cNvPr id="3" name="Szövegdoboz 2">
+            <a:extLst>
+              <a:ext uri="{FF2B5EF4-FFF2-40B4-BE49-F238E27FC236}">
+                <a16:creationId xmlns:a16="http://schemas.microsoft.com/office/drawing/2014/main" id="{7FC2DB9A-CF5F-7A10-5C16-6F19537F37C7}"/>
+              </a:ext>
+            </a:extLst>
+          </p:cNvPr>
+          <p:cNvSpPr txBox="1"/>
+          <p:nvPr/>
+        </p:nvSpPr>
+        <p:spPr>
+          <a:xfrm>
+            <a:off x="855784" y="773722"/>
+            <a:ext cx="791308" cy="369332"/>
+          </a:xfrm>
+          <a:prstGeom prst="rect">
+            <a:avLst/>
+          </a:prstGeom>
+          <a:noFill/>
+        </p:spPr>
+        <p:txBody>
+          <a:bodyPr wrap="square" rtlCol="0">
+            <a:spAutoFit/>
+          </a:bodyPr>
+          <a:lstStyle/>
+          <a:p>
+            <a:r>
+              <a:rPr lang="hu-HU" dirty="0"/>
+              <a:t>HTML</a:t>
+            </a:r>
+            <a:endParaRPr lang="de-DE" dirty="0"/>
+          </a:p>
+        </p:txBody>
+      </p:sp>
+      <p:pic>
+        <p:nvPicPr>
+          <p:cNvPr id="5" name="Kép 4">
+            <a:extLst>
+              <a:ext uri="{FF2B5EF4-FFF2-40B4-BE49-F238E27FC236}">
+                <a16:creationId xmlns:a16="http://schemas.microsoft.com/office/drawing/2014/main" id="{1065C664-92FB-B114-B2FD-8D2AD518D313}"/>
+              </a:ext>
+            </a:extLst>
+          </p:cNvPr>
+          <p:cNvPicPr>
+            <a:picLocks noChangeAspect="1"/>
+          </p:cNvPicPr>
+          <p:nvPr/>
+        </p:nvPicPr>
+        <p:blipFill>
+          <a:blip r:embed="rId2"/>
+          <a:stretch>
+            <a:fillRect/>
+          </a:stretch>
+        </p:blipFill>
+        <p:spPr>
+          <a:xfrm>
+            <a:off x="164124" y="1192780"/>
+            <a:ext cx="7608278" cy="835451"/>
+          </a:xfrm>
+          <a:prstGeom prst="rect">
+            <a:avLst/>
+          </a:prstGeom>
+        </p:spPr>
+      </p:pic>
+      <p:pic>
+        <p:nvPicPr>
+          <p:cNvPr id="10" name="Kép 9">
+            <a:extLst>
+              <a:ext uri="{FF2B5EF4-FFF2-40B4-BE49-F238E27FC236}">
+                <a16:creationId xmlns:a16="http://schemas.microsoft.com/office/drawing/2014/main" id="{05EB1CE3-F5CE-B192-79D9-18A8CA1F78BB}"/>
+              </a:ext>
+            </a:extLst>
+          </p:cNvPr>
+          <p:cNvPicPr>
+            <a:picLocks noChangeAspect="1"/>
+          </p:cNvPicPr>
+          <p:nvPr/>
+        </p:nvPicPr>
+        <p:blipFill>
+          <a:blip r:embed="rId3"/>
+          <a:stretch>
+            <a:fillRect/>
+          </a:stretch>
+        </p:blipFill>
+        <p:spPr>
+          <a:xfrm>
+            <a:off x="1992922" y="3015623"/>
+            <a:ext cx="6460449" cy="3628293"/>
+          </a:xfrm>
+          <a:prstGeom prst="rect">
+            <a:avLst/>
+          </a:prstGeom>
+        </p:spPr>
+      </p:pic>
+      <p:sp>
+        <p:nvSpPr>
+          <p:cNvPr id="11" name="Szövegdoboz 10">
+            <a:extLst>
+              <a:ext uri="{FF2B5EF4-FFF2-40B4-BE49-F238E27FC236}">
+                <a16:creationId xmlns:a16="http://schemas.microsoft.com/office/drawing/2014/main" id="{14918C6C-569D-B973-1D42-504B00BE5068}"/>
+              </a:ext>
+            </a:extLst>
+          </p:cNvPr>
+          <p:cNvSpPr txBox="1"/>
+          <p:nvPr/>
+        </p:nvSpPr>
+        <p:spPr>
+          <a:xfrm>
+            <a:off x="1647092" y="2360743"/>
+            <a:ext cx="1641231" cy="369332"/>
+          </a:xfrm>
+          <a:prstGeom prst="rect">
+            <a:avLst/>
+          </a:prstGeom>
+          <a:noFill/>
+        </p:spPr>
+        <p:txBody>
+          <a:bodyPr wrap="square" rtlCol="0">
+            <a:spAutoFit/>
+          </a:bodyPr>
+          <a:lstStyle/>
+          <a:p>
+            <a:r>
+              <a:rPr lang="hu-HU" dirty="0"/>
+              <a:t>Hogyan néz ki</a:t>
+            </a:r>
+            <a:endParaRPr lang="de-DE" dirty="0"/>
+          </a:p>
+        </p:txBody>
+      </p:sp>
     </p:spTree>
     <p:extLst>
       <p:ext uri="{BB962C8B-B14F-4D97-AF65-F5344CB8AC3E}">
-        <p14:creationId xmlns:p14="http://schemas.microsoft.com/office/powerpoint/2010/main" val="2262206107"/>
-      </p:ext>
-    </p:extLst>
-  </p:cSld>
-  <p:clrMapOvr>
-    <a:masterClrMapping/>
-  </p:clrMapOvr>
-</p:sld>
-</file>
-
-<file path=ppt/slides/slide7.xml><?xml version="1.0" encoding="utf-8"?>
-<p:sld xmlns:a="http://schemas.openxmlformats.org/drawingml/2006/main" xmlns:r="http://schemas.openxmlformats.org/officeDocument/2006/relationships" xmlns:p="http://schemas.openxmlformats.org/presentationml/2006/main">
-  <p:cSld>
-    <p:spTree>
-      <p:nvGrpSpPr>
-        <p:cNvPr id="1" name=""/>
-        <p:cNvGrpSpPr/>
-        <p:nvPr/>
-      </p:nvGrpSpPr>
-      <p:grpSpPr>
-        <a:xfrm>
-          <a:off x="0" y="0"/>
-          <a:ext cx="0" cy="0"/>
-          <a:chOff x="0" y="0"/>
-          <a:chExt cx="0" cy="0"/>
-        </a:xfrm>
-      </p:grpSpPr>
-    </p:spTree>
-    <p:extLst>
-      <p:ext uri="{BB962C8B-B14F-4D97-AF65-F5344CB8AC3E}">
-        <p14:creationId xmlns:p14="http://schemas.microsoft.com/office/powerpoint/2010/main" val="465750082"/>
-      </p:ext>
-    </p:extLst>
-  </p:cSld>
-  <p:clrMapOvr>
-    <a:masterClrMapping/>
-  </p:clrMapOvr>
-</p:sld>
-</file>
-
-<file path=ppt/slides/slide8.xml><?xml version="1.0" encoding="utf-8"?>
-<p:sld xmlns:a="http://schemas.openxmlformats.org/drawingml/2006/main" xmlns:r="http://schemas.openxmlformats.org/officeDocument/2006/relationships" xmlns:p="http://schemas.openxmlformats.org/presentationml/2006/main">
-  <p:cSld>
-    <p:spTree>
-      <p:nvGrpSpPr>
-        <p:cNvPr id="1" name=""/>
-        <p:cNvGrpSpPr/>
-        <p:nvPr/>
-      </p:nvGrpSpPr>
-      <p:grpSpPr>
-        <a:xfrm>
-          <a:off x="0" y="0"/>
-          <a:ext cx="0" cy="0"/>
-          <a:chOff x="0" y="0"/>
-          <a:chExt cx="0" cy="0"/>
-        </a:xfrm>
-      </p:grpSpPr>
-    </p:spTree>
-    <p:extLst>
-      <p:ext uri="{BB962C8B-B14F-4D97-AF65-F5344CB8AC3E}">
-        <p14:creationId xmlns:p14="http://schemas.microsoft.com/office/powerpoint/2010/main" val="4204434747"/>
-      </p:ext>
-    </p:extLst>
-  </p:cSld>
-  <p:clrMapOvr>
-    <a:masterClrMapping/>
-  </p:clrMapOvr>
-</p:sld>
-</file>
-
-<file path=ppt/slides/slide9.xml><?xml version="1.0" encoding="utf-8"?>
-<p:sld xmlns:a="http://schemas.openxmlformats.org/drawingml/2006/main" xmlns:r="http://schemas.openxmlformats.org/officeDocument/2006/relationships" xmlns:p="http://schemas.openxmlformats.org/presentationml/2006/main">
-  <p:cSld>
-    <p:spTree>
-      <p:nvGrpSpPr>
-        <p:cNvPr id="1" name=""/>
-        <p:cNvGrpSpPr/>
-        <p:nvPr/>
-      </p:nvGrpSpPr>
-      <p:grpSpPr>
-        <a:xfrm>
-          <a:off x="0" y="0"/>
-          <a:ext cx="0" cy="0"/>
-          <a:chOff x="0" y="0"/>
-          <a:chExt cx="0" cy="0"/>
-        </a:xfrm>
-      </p:grpSpPr>
-    </p:spTree>
-    <p:extLst>
-      <p:ext uri="{BB962C8B-B14F-4D97-AF65-F5344CB8AC3E}">
-        <p14:creationId xmlns:p14="http://schemas.microsoft.com/office/powerpoint/2010/main" val="3600180825"/>
+        <p14:creationId xmlns:p14="http://schemas.microsoft.com/office/powerpoint/2010/main" val="3579841689"/>
       </p:ext>
     </p:extLst>
   </p:cSld>

--- a/A krumpli és a krumplipucolás.pptx
+++ b/A krumpli és a krumplipucolás.pptx
@@ -278,7 +278,7 @@
           <a:p>
             <a:fld id="{7A1900B9-CA20-4E3F-8649-4EA4F6758E8C}" type="datetimeFigureOut">
               <a:rPr lang="hu-HU" smtClean="0"/>
-              <a:t>2023. 05. 27.</a:t>
+              <a:t>2023. 05. 31.</a:t>
             </a:fld>
             <a:endParaRPr lang="hu-HU"/>
           </a:p>
@@ -476,7 +476,7 @@
           <a:p>
             <a:fld id="{7A1900B9-CA20-4E3F-8649-4EA4F6758E8C}" type="datetimeFigureOut">
               <a:rPr lang="hu-HU" smtClean="0"/>
-              <a:t>2023. 05. 27.</a:t>
+              <a:t>2023. 05. 31.</a:t>
             </a:fld>
             <a:endParaRPr lang="hu-HU"/>
           </a:p>
@@ -684,7 +684,7 @@
           <a:p>
             <a:fld id="{7A1900B9-CA20-4E3F-8649-4EA4F6758E8C}" type="datetimeFigureOut">
               <a:rPr lang="hu-HU" smtClean="0"/>
-              <a:t>2023. 05. 27.</a:t>
+              <a:t>2023. 05. 31.</a:t>
             </a:fld>
             <a:endParaRPr lang="hu-HU"/>
           </a:p>
@@ -882,7 +882,7 @@
           <a:p>
             <a:fld id="{7A1900B9-CA20-4E3F-8649-4EA4F6758E8C}" type="datetimeFigureOut">
               <a:rPr lang="hu-HU" smtClean="0"/>
-              <a:t>2023. 05. 27.</a:t>
+              <a:t>2023. 05. 31.</a:t>
             </a:fld>
             <a:endParaRPr lang="hu-HU"/>
           </a:p>
@@ -1157,7 +1157,7 @@
           <a:p>
             <a:fld id="{7A1900B9-CA20-4E3F-8649-4EA4F6758E8C}" type="datetimeFigureOut">
               <a:rPr lang="hu-HU" smtClean="0"/>
-              <a:t>2023. 05. 27.</a:t>
+              <a:t>2023. 05. 31.</a:t>
             </a:fld>
             <a:endParaRPr lang="hu-HU"/>
           </a:p>
@@ -1422,7 +1422,7 @@
           <a:p>
             <a:fld id="{7A1900B9-CA20-4E3F-8649-4EA4F6758E8C}" type="datetimeFigureOut">
               <a:rPr lang="hu-HU" smtClean="0"/>
-              <a:t>2023. 05. 27.</a:t>
+              <a:t>2023. 05. 31.</a:t>
             </a:fld>
             <a:endParaRPr lang="hu-HU"/>
           </a:p>
@@ -1834,7 +1834,7 @@
           <a:p>
             <a:fld id="{7A1900B9-CA20-4E3F-8649-4EA4F6758E8C}" type="datetimeFigureOut">
               <a:rPr lang="hu-HU" smtClean="0"/>
-              <a:t>2023. 05. 27.</a:t>
+              <a:t>2023. 05. 31.</a:t>
             </a:fld>
             <a:endParaRPr lang="hu-HU"/>
           </a:p>
@@ -1975,7 +1975,7 @@
           <a:p>
             <a:fld id="{7A1900B9-CA20-4E3F-8649-4EA4F6758E8C}" type="datetimeFigureOut">
               <a:rPr lang="hu-HU" smtClean="0"/>
-              <a:t>2023. 05. 27.</a:t>
+              <a:t>2023. 05. 31.</a:t>
             </a:fld>
             <a:endParaRPr lang="hu-HU"/>
           </a:p>
@@ -2088,7 +2088,7 @@
           <a:p>
             <a:fld id="{7A1900B9-CA20-4E3F-8649-4EA4F6758E8C}" type="datetimeFigureOut">
               <a:rPr lang="hu-HU" smtClean="0"/>
-              <a:t>2023. 05. 27.</a:t>
+              <a:t>2023. 05. 31.</a:t>
             </a:fld>
             <a:endParaRPr lang="hu-HU"/>
           </a:p>
@@ -2399,7 +2399,7 @@
           <a:p>
             <a:fld id="{7A1900B9-CA20-4E3F-8649-4EA4F6758E8C}" type="datetimeFigureOut">
               <a:rPr lang="hu-HU" smtClean="0"/>
-              <a:t>2023. 05. 27.</a:t>
+              <a:t>2023. 05. 31.</a:t>
             </a:fld>
             <a:endParaRPr lang="hu-HU"/>
           </a:p>
@@ -2687,7 +2687,7 @@
           <a:p>
             <a:fld id="{7A1900B9-CA20-4E3F-8649-4EA4F6758E8C}" type="datetimeFigureOut">
               <a:rPr lang="hu-HU" smtClean="0"/>
-              <a:t>2023. 05. 27.</a:t>
+              <a:t>2023. 05. 31.</a:t>
             </a:fld>
             <a:endParaRPr lang="hu-HU"/>
           </a:p>
@@ -2954,7 +2954,7 @@
           <a:p>
             <a:fld id="{7A1900B9-CA20-4E3F-8649-4EA4F6758E8C}" type="datetimeFigureOut">
               <a:rPr lang="hu-HU" smtClean="0"/>
-              <a:t>2023. 05. 27.</a:t>
+              <a:t>2023. 05. 31.</a:t>
             </a:fld>
             <a:endParaRPr lang="hu-HU"/>
           </a:p>
@@ -3449,6 +3449,18 @@
   <p:clrMapOvr>
     <a:masterClrMapping/>
   </p:clrMapOvr>
+  <mc:AlternateContent xmlns:mc="http://schemas.openxmlformats.org/markup-compatibility/2006">
+    <mc:Choice xmlns:p159="http://schemas.microsoft.com/office/powerpoint/2015/09/main" Requires="p159">
+      <p:transition xmlns:p14="http://schemas.microsoft.com/office/powerpoint/2010/main" spd="slow" p14:dur="2000">
+        <p159:morph option="byObject"/>
+      </p:transition>
+    </mc:Choice>
+    <mc:Fallback>
+      <p:transition spd="slow">
+        <p:fade/>
+      </p:transition>
+    </mc:Fallback>
+  </mc:AlternateContent>
 </p:sld>
 </file>
 
@@ -3928,6 +3940,18 @@
   <p:clrMapOvr>
     <a:masterClrMapping/>
   </p:clrMapOvr>
+  <mc:AlternateContent xmlns:mc="http://schemas.openxmlformats.org/markup-compatibility/2006">
+    <mc:Choice xmlns:p159="http://schemas.microsoft.com/office/powerpoint/2015/09/main" Requires="p159">
+      <p:transition xmlns:p14="http://schemas.microsoft.com/office/powerpoint/2010/main" spd="slow" p14:dur="2000">
+        <p159:morph option="byObject"/>
+      </p:transition>
+    </mc:Choice>
+    <mc:Fallback>
+      <p:transition spd="slow">
+        <p:fade/>
+      </p:transition>
+    </mc:Fallback>
+  </mc:AlternateContent>
 </p:sld>
 </file>
 
@@ -4380,6 +4404,18 @@
   <p:clrMapOvr>
     <a:masterClrMapping/>
   </p:clrMapOvr>
+  <mc:AlternateContent xmlns:mc="http://schemas.openxmlformats.org/markup-compatibility/2006">
+    <mc:Choice xmlns:p159="http://schemas.microsoft.com/office/powerpoint/2015/09/main" Requires="p159">
+      <p:transition xmlns:p14="http://schemas.microsoft.com/office/powerpoint/2010/main" spd="slow" p14:dur="2000">
+        <p159:morph option="byObject"/>
+      </p:transition>
+    </mc:Choice>
+    <mc:Fallback>
+      <p:transition spd="slow">
+        <p:fade/>
+      </p:transition>
+    </mc:Fallback>
+  </mc:AlternateContent>
 </p:sld>
 </file>
 
@@ -4512,6 +4548,18 @@
   <p:clrMapOvr>
     <a:masterClrMapping/>
   </p:clrMapOvr>
+  <mc:AlternateContent xmlns:mc="http://schemas.openxmlformats.org/markup-compatibility/2006">
+    <mc:Choice xmlns:p159="http://schemas.microsoft.com/office/powerpoint/2015/09/main" Requires="p159">
+      <p:transition xmlns:p14="http://schemas.microsoft.com/office/powerpoint/2010/main" spd="slow" p14:dur="2000">
+        <p159:morph option="byObject"/>
+      </p:transition>
+    </mc:Choice>
+    <mc:Fallback>
+      <p:transition spd="slow">
+        <p:fade/>
+      </p:transition>
+    </mc:Fallback>
+  </mc:AlternateContent>
 </p:sld>
 </file>
 
@@ -4704,6 +4752,18 @@
   <p:clrMapOvr>
     <a:masterClrMapping/>
   </p:clrMapOvr>
+  <mc:AlternateContent xmlns:mc="http://schemas.openxmlformats.org/markup-compatibility/2006">
+    <mc:Choice xmlns:p159="http://schemas.microsoft.com/office/powerpoint/2015/09/main" Requires="p159">
+      <p:transition xmlns:p14="http://schemas.microsoft.com/office/powerpoint/2010/main" spd="slow" p14:dur="2000">
+        <p159:morph option="byObject"/>
+      </p:transition>
+    </mc:Choice>
+    <mc:Fallback>
+      <p:transition spd="slow">
+        <p:fade/>
+      </p:transition>
+    </mc:Fallback>
+  </mc:AlternateContent>
 </p:sld>
 </file>
 
@@ -4902,6 +4962,18 @@
   <p:clrMapOvr>
     <a:masterClrMapping/>
   </p:clrMapOvr>
+  <mc:AlternateContent xmlns:mc="http://schemas.openxmlformats.org/markup-compatibility/2006">
+    <mc:Choice xmlns:p159="http://schemas.microsoft.com/office/powerpoint/2015/09/main" Requires="p159">
+      <p:transition xmlns:p14="http://schemas.microsoft.com/office/powerpoint/2010/main" spd="slow" p14:dur="2000">
+        <p159:morph option="byObject"/>
+      </p:transition>
+    </mc:Choice>
+    <mc:Fallback>
+      <p:transition spd="slow">
+        <p:fade/>
+      </p:transition>
+    </mc:Fallback>
+  </mc:AlternateContent>
 </p:sld>
 </file>
 
